--- a/jessica.besagni/Presentations projet/Subtitles 12062014.pptx
+++ b/jessica.besagni/Presentations projet/Subtitles 12062014.pptx
@@ -6020,7 +6020,9 @@
         </p:nvSpPr>
         <p:spPr/>
         <p:txBody>
-          <a:bodyPr/>
+          <a:bodyPr>
+            <a:normAutofit/>
+          </a:bodyPr>
           <a:lstStyle/>
           <a:p>
             <a:r>
@@ -6041,29 +6043,87 @@
             </a:r>
             <a:r>
               <a:rPr lang="fr-FR" dirty="0" err="1" smtClean="0"/>
-              <a:t>learn</a:t>
+              <a:t>learned</a:t>
+            </a:r>
+            <a:r>
+              <a:rPr lang="fr-FR" dirty="0" smtClean="0"/>
+              <a:t> : </a:t>
+            </a:r>
+          </a:p>
+          <a:p>
+            <a:pPr lvl="1"/>
+            <a:r>
+              <a:rPr lang="fr-FR" dirty="0" err="1" smtClean="0"/>
+              <a:t>Using</a:t>
+            </a:r>
+            <a:r>
+              <a:rPr lang="fr-FR" dirty="0" smtClean="0"/>
+              <a:t> terminal</a:t>
+            </a:r>
+          </a:p>
+          <a:p>
+            <a:pPr lvl="1"/>
+            <a:r>
+              <a:rPr lang="fr-FR" dirty="0" err="1" smtClean="0"/>
+              <a:t>Discovering</a:t>
             </a:r>
             <a:r>
               <a:rPr lang="fr-FR" dirty="0" smtClean="0"/>
               <a:t> </a:t>
             </a:r>
+            <a:r>
+              <a:rPr lang="fr-FR" dirty="0" err="1" smtClean="0"/>
+              <a:t>bash</a:t>
+            </a:r>
+            <a:endParaRPr lang="fr-FR" dirty="0" smtClean="0"/>
           </a:p>
           <a:p>
             <a:pPr lvl="1"/>
             <a:r>
-              <a:rPr lang="fr-FR" dirty="0" err="1" smtClean="0"/>
-              <a:t>Using</a:t>
-            </a:r>
-            <a:r>
-              <a:rPr lang="fr-FR" dirty="0" smtClean="0"/>
-              <a:t> terminal</a:t>
+              <a:rPr lang="fr-FR" dirty="0" smtClean="0"/>
+              <a:t>Web </a:t>
+            </a:r>
+            <a:r>
+              <a:rPr lang="fr-FR" dirty="0" err="1" smtClean="0"/>
+              <a:t>scraping</a:t>
+            </a:r>
+            <a:r>
+              <a:rPr lang="fr-FR" dirty="0" smtClean="0"/>
+              <a:t> data</a:t>
+            </a:r>
+          </a:p>
+          <a:p>
+            <a:pPr marL="349250" lvl="1" indent="0">
+              <a:buNone/>
+            </a:pPr>
+            <a:endParaRPr lang="fr-FR" dirty="0" smtClean="0"/>
+          </a:p>
+          <a:p>
+            <a:r>
+              <a:rPr lang="fr-FR" dirty="0" smtClean="0"/>
+              <a:t>Our </a:t>
+            </a:r>
+            <a:r>
+              <a:rPr lang="fr-FR" dirty="0" err="1" smtClean="0"/>
+              <a:t>difficulties</a:t>
+            </a:r>
+            <a:r>
+              <a:rPr lang="fr-FR" dirty="0" smtClean="0"/>
+              <a:t> : </a:t>
             </a:r>
           </a:p>
           <a:p>
             <a:pPr lvl="1"/>
             <a:r>
-              <a:rPr lang="fr-FR" dirty="0" err="1" smtClean="0"/>
-              <a:t>Discover</a:t>
+              <a:rPr lang="fr-FR" dirty="0" smtClean="0"/>
+              <a:t>Regular expressions</a:t>
+            </a:r>
+          </a:p>
+          <a:p>
+            <a:pPr lvl="1"/>
+            <a:r>
+              <a:rPr lang="fr-FR" dirty="0" err="1" smtClean="0"/>
+              <a:t>We</a:t>
             </a:r>
             <a:r>
               <a:rPr lang="fr-FR" dirty="0" smtClean="0"/>
@@ -6071,50 +6131,72 @@
             </a:r>
             <a:r>
               <a:rPr lang="fr-FR" dirty="0" err="1" smtClean="0"/>
-              <a:t>bash</a:t>
-            </a:r>
-            <a:endParaRPr lang="fr-FR" dirty="0" smtClean="0"/>
-          </a:p>
-          <a:p>
-            <a:pPr lvl="1"/>
-            <a:r>
-              <a:rPr lang="fr-FR" dirty="0" smtClean="0"/>
-              <a:t>Web </a:t>
-            </a:r>
-            <a:r>
-              <a:rPr lang="fr-FR" dirty="0" err="1" smtClean="0"/>
-              <a:t>scraping</a:t>
-            </a:r>
-            <a:r>
-              <a:rPr lang="fr-FR" dirty="0" smtClean="0"/>
-              <a:t> data</a:t>
-            </a:r>
-          </a:p>
-          <a:p>
-            <a:r>
-              <a:rPr lang="fr-FR" dirty="0" smtClean="0"/>
-              <a:t>Our </a:t>
-            </a:r>
-            <a:r>
-              <a:rPr lang="fr-FR" dirty="0" err="1" smtClean="0"/>
-              <a:t>difficulties</a:t>
-            </a:r>
-            <a:endParaRPr lang="fr-FR" dirty="0" smtClean="0"/>
-          </a:p>
-          <a:p>
-            <a:pPr lvl="1"/>
-            <a:r>
-              <a:rPr lang="fr-FR" dirty="0" smtClean="0"/>
-              <a:t>Regular </a:t>
-            </a:r>
-            <a:r>
-              <a:rPr lang="fr-FR" dirty="0" err="1" smtClean="0"/>
-              <a:t>expresions</a:t>
-            </a:r>
-            <a:endParaRPr lang="fr-FR" dirty="0" smtClean="0"/>
-          </a:p>
-          <a:p>
-            <a:pPr lvl="1"/>
+              <a:t>found</a:t>
+            </a:r>
+            <a:r>
+              <a:rPr lang="fr-FR" dirty="0" smtClean="0"/>
+              <a:t> the format of </a:t>
+            </a:r>
+            <a:r>
+              <a:rPr lang="fr-FR" dirty="0" smtClean="0"/>
+              <a:t>the </a:t>
+            </a:r>
+            <a:r>
+              <a:rPr lang="fr-FR" dirty="0" err="1" smtClean="0"/>
+              <a:t>language</a:t>
+            </a:r>
+            <a:r>
+              <a:rPr lang="fr-FR" dirty="0" smtClean="0"/>
+              <a:t> </a:t>
+            </a:r>
+            <a:r>
+              <a:rPr lang="fr-FR" dirty="0" smtClean="0"/>
+              <a:t>in UTF 8 (</a:t>
+            </a:r>
+            <a:r>
+              <a:rPr lang="fr-FR" dirty="0" err="1" smtClean="0"/>
+              <a:t>Fr_FR</a:t>
+            </a:r>
+            <a:r>
+              <a:rPr lang="fr-FR" dirty="0" smtClean="0"/>
+              <a:t>) but </a:t>
+            </a:r>
+            <a:r>
+              <a:rPr lang="fr-FR" dirty="0" err="1" smtClean="0"/>
+              <a:t>couldn’t</a:t>
+            </a:r>
+            <a:r>
+              <a:rPr lang="fr-FR" dirty="0" smtClean="0"/>
+              <a:t> use </a:t>
+            </a:r>
+            <a:r>
+              <a:rPr lang="fr-FR" dirty="0" err="1" smtClean="0"/>
+              <a:t>it</a:t>
+            </a:r>
+            <a:r>
+              <a:rPr lang="fr-FR" dirty="0" smtClean="0"/>
+              <a:t> in the URL </a:t>
+            </a:r>
+            <a:r>
+              <a:rPr lang="fr-FR" dirty="0" err="1" smtClean="0"/>
+              <a:t>that</a:t>
+            </a:r>
+            <a:r>
+              <a:rPr lang="fr-FR" dirty="0" smtClean="0"/>
+              <a:t> </a:t>
+            </a:r>
+            <a:r>
+              <a:rPr lang="fr-FR" dirty="0" err="1" smtClean="0"/>
+              <a:t>we</a:t>
+            </a:r>
+            <a:r>
+              <a:rPr lang="fr-FR" dirty="0" smtClean="0"/>
+              <a:t> </a:t>
+            </a:r>
+            <a:r>
+              <a:rPr lang="fr-FR" dirty="0" err="1" smtClean="0"/>
+              <a:t>wanted</a:t>
+            </a:r>
             <a:endParaRPr lang="fr-FR" dirty="0"/>
           </a:p>
         </p:txBody>
@@ -6141,8 +6223,8 @@
         </p:blipFill>
         <p:spPr>
           <a:xfrm>
-            <a:off x="6157173" y="3133434"/>
-            <a:ext cx="2324100" cy="2730500"/>
+            <a:off x="5724954" y="2391724"/>
+            <a:ext cx="2003792" cy="2354182"/>
           </a:xfrm>
           <a:prstGeom prst="rect">
             <a:avLst/>
@@ -6252,7 +6334,7 @@
             </a:r>
             <a:r>
               <a:rPr lang="fr-FR" dirty="0" smtClean="0"/>
-              <a:t> 01</a:t>
+              <a:t> 01 – 05/05/2014</a:t>
             </a:r>
           </a:p>
           <a:p>
@@ -6262,7 +6344,7 @@
             </a:r>
             <a:r>
               <a:rPr lang="fr-FR" dirty="0" smtClean="0"/>
-              <a:t> 02</a:t>
+              <a:t> 02 – 19/05/2014</a:t>
             </a:r>
           </a:p>
           <a:p>
@@ -6272,7 +6354,7 @@
             </a:r>
             <a:r>
               <a:rPr lang="fr-FR" dirty="0" smtClean="0"/>
-              <a:t> 03</a:t>
+              <a:t> 03 – 26/05/2014</a:t>
             </a:r>
             <a:endParaRPr lang="fr-FR" dirty="0"/>
           </a:p>
